--- a/pfa.pptx
+++ b/pfa.pptx
@@ -8,10 +8,11 @@
     <p:sldId id="256" r:id="rId2"/>
     <p:sldId id="257" r:id="rId3"/>
     <p:sldId id="258" r:id="rId4"/>
-    <p:sldId id="259" r:id="rId5"/>
-    <p:sldId id="260" r:id="rId6"/>
-    <p:sldId id="261" r:id="rId7"/>
-    <p:sldId id="262" r:id="rId8"/>
+    <p:sldId id="263" r:id="rId5"/>
+    <p:sldId id="259" r:id="rId6"/>
+    <p:sldId id="260" r:id="rId7"/>
+    <p:sldId id="261" r:id="rId8"/>
+    <p:sldId id="262" r:id="rId9"/>
   </p:sldIdLst>
   <p:sldSz cx="9144000" cy="6858000" type="screen4x3"/>
   <p:notesSz cx="6858000" cy="9144000"/>
@@ -320,7 +321,7 @@
           <a:p>
             <a:fld id="{FC6D9142-4798-48EA-8D5D-3F36C616C61E}" type="datetimeFigureOut">
               <a:rPr lang="fr-FR" smtClean="0"/>
-              <a:t>25/03/2014</a:t>
+              <a:t>26/03/2014</a:t>
             </a:fld>
             <a:endParaRPr lang="fr-FR"/>
           </a:p>
@@ -359,7 +360,7 @@
           <a:p>
             <a:fld id="{4362102B-3649-44DF-85CD-F6A4675C8007}" type="slidenum">
               <a:rPr lang="fr-FR" smtClean="0"/>
-              <a:t>‹#›</a:t>
+              <a:t>‹N°›</a:t>
             </a:fld>
             <a:endParaRPr lang="fr-FR"/>
           </a:p>
@@ -514,7 +515,7 @@
           <a:p>
             <a:fld id="{FC6D9142-4798-48EA-8D5D-3F36C616C61E}" type="datetimeFigureOut">
               <a:rPr lang="fr-FR" smtClean="0"/>
-              <a:t>25/03/2014</a:t>
+              <a:t>26/03/2014</a:t>
             </a:fld>
             <a:endParaRPr lang="fr-FR"/>
           </a:p>
@@ -560,7 +561,7 @@
           <a:p>
             <a:fld id="{4362102B-3649-44DF-85CD-F6A4675C8007}" type="slidenum">
               <a:rPr lang="fr-FR" smtClean="0"/>
-              <a:t>‹#›</a:t>
+              <a:t>‹N°›</a:t>
             </a:fld>
             <a:endParaRPr lang="fr-FR"/>
           </a:p>
@@ -702,7 +703,7 @@
           <a:p>
             <a:fld id="{FC6D9142-4798-48EA-8D5D-3F36C616C61E}" type="datetimeFigureOut">
               <a:rPr lang="fr-FR" smtClean="0"/>
-              <a:t>25/03/2014</a:t>
+              <a:t>26/03/2014</a:t>
             </a:fld>
             <a:endParaRPr lang="fr-FR"/>
           </a:p>
@@ -748,7 +749,7 @@
           <a:p>
             <a:fld id="{4362102B-3649-44DF-85CD-F6A4675C8007}" type="slidenum">
               <a:rPr lang="fr-FR" smtClean="0"/>
-              <a:t>‹#›</a:t>
+              <a:t>‹N°›</a:t>
             </a:fld>
             <a:endParaRPr lang="fr-FR"/>
           </a:p>
@@ -931,7 +932,7 @@
           <a:p>
             <a:fld id="{FC6D9142-4798-48EA-8D5D-3F36C616C61E}" type="datetimeFigureOut">
               <a:rPr lang="fr-FR" smtClean="0"/>
-              <a:t>25/03/2014</a:t>
+              <a:t>26/03/2014</a:t>
             </a:fld>
             <a:endParaRPr lang="fr-FR"/>
           </a:p>
@@ -977,7 +978,7 @@
           <a:p>
             <a:fld id="{4362102B-3649-44DF-85CD-F6A4675C8007}" type="slidenum">
               <a:rPr lang="fr-FR" smtClean="0"/>
-              <a:t>‹#›</a:t>
+              <a:t>‹N°›</a:t>
             </a:fld>
             <a:endParaRPr lang="fr-FR"/>
           </a:p>
@@ -1212,7 +1213,7 @@
           <a:p>
             <a:fld id="{FC6D9142-4798-48EA-8D5D-3F36C616C61E}" type="datetimeFigureOut">
               <a:rPr lang="fr-FR" smtClean="0"/>
-              <a:t>25/03/2014</a:t>
+              <a:t>26/03/2014</a:t>
             </a:fld>
             <a:endParaRPr lang="fr-FR"/>
           </a:p>
@@ -1251,7 +1252,7 @@
           <a:p>
             <a:fld id="{4362102B-3649-44DF-85CD-F6A4675C8007}" type="slidenum">
               <a:rPr lang="fr-FR" smtClean="0"/>
-              <a:t>‹#›</a:t>
+              <a:t>‹N°›</a:t>
             </a:fld>
             <a:endParaRPr lang="fr-FR"/>
           </a:p>
@@ -1500,7 +1501,7 @@
           <a:p>
             <a:fld id="{FC6D9142-4798-48EA-8D5D-3F36C616C61E}" type="datetimeFigureOut">
               <a:rPr lang="fr-FR" smtClean="0"/>
-              <a:t>25/03/2014</a:t>
+              <a:t>26/03/2014</a:t>
             </a:fld>
             <a:endParaRPr lang="fr-FR"/>
           </a:p>
@@ -1551,7 +1552,7 @@
           <a:p>
             <a:fld id="{4362102B-3649-44DF-85CD-F6A4675C8007}" type="slidenum">
               <a:rPr lang="fr-FR" smtClean="0"/>
-              <a:t>‹#›</a:t>
+              <a:t>‹N°›</a:t>
             </a:fld>
             <a:endParaRPr lang="fr-FR"/>
           </a:p>
@@ -2054,7 +2055,7 @@
           <a:p>
             <a:fld id="{FC6D9142-4798-48EA-8D5D-3F36C616C61E}" type="datetimeFigureOut">
               <a:rPr lang="fr-FR" smtClean="0"/>
-              <a:t>25/03/2014</a:t>
+              <a:t>26/03/2014</a:t>
             </a:fld>
             <a:endParaRPr lang="fr-FR"/>
           </a:p>
@@ -2105,7 +2106,7 @@
           <a:p>
             <a:fld id="{4362102B-3649-44DF-85CD-F6A4675C8007}" type="slidenum">
               <a:rPr lang="fr-FR" smtClean="0"/>
-              <a:t>‹#›</a:t>
+              <a:t>‹N°›</a:t>
             </a:fld>
             <a:endParaRPr lang="fr-FR"/>
           </a:p>
@@ -2185,7 +2186,7 @@
           <a:p>
             <a:fld id="{FC6D9142-4798-48EA-8D5D-3F36C616C61E}" type="datetimeFigureOut">
               <a:rPr lang="fr-FR" smtClean="0"/>
-              <a:t>25/03/2014</a:t>
+              <a:t>26/03/2014</a:t>
             </a:fld>
             <a:endParaRPr lang="fr-FR"/>
           </a:p>
@@ -2231,7 +2232,7 @@
           <a:p>
             <a:fld id="{4362102B-3649-44DF-85CD-F6A4675C8007}" type="slidenum">
               <a:rPr lang="fr-FR" smtClean="0"/>
-              <a:t>‹#›</a:t>
+              <a:t>‹N°›</a:t>
             </a:fld>
             <a:endParaRPr lang="fr-FR"/>
           </a:p>
@@ -2335,7 +2336,7 @@
           <a:p>
             <a:fld id="{FC6D9142-4798-48EA-8D5D-3F36C616C61E}" type="datetimeFigureOut">
               <a:rPr lang="fr-FR" smtClean="0"/>
-              <a:t>25/03/2014</a:t>
+              <a:t>26/03/2014</a:t>
             </a:fld>
             <a:endParaRPr lang="fr-FR"/>
           </a:p>
@@ -2381,7 +2382,7 @@
           <a:p>
             <a:fld id="{4362102B-3649-44DF-85CD-F6A4675C8007}" type="slidenum">
               <a:rPr lang="fr-FR" smtClean="0"/>
-              <a:t>‹#›</a:t>
+              <a:t>‹N°›</a:t>
             </a:fld>
             <a:endParaRPr lang="fr-FR"/>
           </a:p>
@@ -2656,7 +2657,7 @@
           <a:p>
             <a:fld id="{FC6D9142-4798-48EA-8D5D-3F36C616C61E}" type="datetimeFigureOut">
               <a:rPr lang="fr-FR" smtClean="0"/>
-              <a:t>25/03/2014</a:t>
+              <a:t>26/03/2014</a:t>
             </a:fld>
             <a:endParaRPr lang="fr-FR"/>
           </a:p>
@@ -2695,7 +2696,7 @@
           <a:p>
             <a:fld id="{4362102B-3649-44DF-85CD-F6A4675C8007}" type="slidenum">
               <a:rPr lang="fr-FR" smtClean="0"/>
-              <a:t>‹#›</a:t>
+              <a:t>‹N°›</a:t>
             </a:fld>
             <a:endParaRPr lang="fr-FR"/>
           </a:p>
@@ -2953,7 +2954,7 @@
           <a:p>
             <a:fld id="{FC6D9142-4798-48EA-8D5D-3F36C616C61E}" type="datetimeFigureOut">
               <a:rPr lang="fr-FR" smtClean="0"/>
-              <a:t>25/03/2014</a:t>
+              <a:t>26/03/2014</a:t>
             </a:fld>
             <a:endParaRPr lang="fr-FR"/>
           </a:p>
@@ -2992,7 +2993,7 @@
           <a:p>
             <a:fld id="{4362102B-3649-44DF-85CD-F6A4675C8007}" type="slidenum">
               <a:rPr lang="fr-FR" smtClean="0"/>
-              <a:t>‹#›</a:t>
+              <a:t>‹N°›</a:t>
             </a:fld>
             <a:endParaRPr lang="fr-FR"/>
           </a:p>
@@ -3198,7 +3199,7 @@
           <a:p>
             <a:fld id="{FC6D9142-4798-48EA-8D5D-3F36C616C61E}" type="datetimeFigureOut">
               <a:rPr lang="fr-FR" smtClean="0"/>
-              <a:t>25/03/2014</a:t>
+              <a:t>26/03/2014</a:t>
             </a:fld>
             <a:endParaRPr lang="fr-FR"/>
           </a:p>
@@ -3241,7 +3242,7 @@
           <a:p>
             <a:fld id="{4362102B-3649-44DF-85CD-F6A4675C8007}" type="slidenum">
               <a:rPr lang="fr-FR" smtClean="0"/>
-              <a:t>‹#›</a:t>
+              <a:t>‹N°›</a:t>
             </a:fld>
             <a:endParaRPr lang="fr-FR"/>
           </a:p>
@@ -3724,6 +3725,84 @@
           <a:bodyPr/>
           <a:lstStyle/>
           <a:p>
+            <a:r>
+              <a:rPr lang="fr-FR" dirty="0" smtClean="0"/>
+              <a:t>Projet de Fin d’Année</a:t>
+            </a:r>
+            <a:endParaRPr lang="fr-FR" dirty="0"/>
+          </a:p>
+        </p:txBody>
+      </p:sp>
+      <p:sp>
+        <p:nvSpPr>
+          <p:cNvPr id="4" name="ZoneTexte 3"/>
+          <p:cNvSpPr txBox="1"/>
+          <p:nvPr/>
+        </p:nvSpPr>
+        <p:spPr>
+          <a:xfrm>
+            <a:off x="971600" y="6453336"/>
+            <a:ext cx="6894708" cy="369332"/>
+          </a:xfrm>
+          <a:prstGeom prst="rect">
+            <a:avLst/>
+          </a:prstGeom>
+          <a:noFill/>
+        </p:spPr>
+        <p:txBody>
+          <a:bodyPr wrap="none" rtlCol="0">
+            <a:spAutoFit/>
+          </a:bodyPr>
+          <a:lstStyle/>
+          <a:p>
+            <a:r>
+              <a:rPr lang="fr-FR" dirty="0" err="1"/>
+              <a:t>m</a:t>
+            </a:r>
+            <a:r>
+              <a:rPr lang="fr-FR" dirty="0" err="1" smtClean="0"/>
+              <a:t>estag_a</a:t>
+            </a:r>
+            <a:r>
+              <a:rPr lang="fr-FR" dirty="0" smtClean="0"/>
+              <a:t> – </a:t>
+            </a:r>
+            <a:r>
+              <a:rPr lang="fr-FR" dirty="0" err="1" smtClean="0"/>
+              <a:t>maitre_c</a:t>
+            </a:r>
+            <a:r>
+              <a:rPr lang="fr-FR" dirty="0" smtClean="0"/>
+              <a:t> – </a:t>
+            </a:r>
+            <a:r>
+              <a:rPr lang="fr-FR" dirty="0" err="1" smtClean="0"/>
+              <a:t>jourda_c</a:t>
+            </a:r>
+            <a:r>
+              <a:rPr lang="fr-FR" dirty="0" smtClean="0"/>
+              <a:t> – </a:t>
+            </a:r>
+            <a:r>
+              <a:rPr lang="fr-FR" dirty="0" err="1" smtClean="0"/>
+              <a:t>paquet_a</a:t>
+            </a:r>
+            <a:r>
+              <a:rPr lang="fr-FR" dirty="0" smtClean="0"/>
+              <a:t> – </a:t>
+            </a:r>
+            <a:r>
+              <a:rPr lang="fr-FR" dirty="0" err="1" smtClean="0"/>
+              <a:t>maresc_g</a:t>
+            </a:r>
+            <a:r>
+              <a:rPr lang="fr-FR" dirty="0" smtClean="0"/>
+              <a:t> – </a:t>
+            </a:r>
+            <a:r>
+              <a:rPr lang="fr-FR" dirty="0" err="1" smtClean="0"/>
+              <a:t>ansel_l</a:t>
+            </a:r>
             <a:endParaRPr lang="fr-FR" dirty="0"/>
           </a:p>
         </p:txBody>
@@ -3738,6 +3817,13 @@
   <p:clrMapOvr>
     <a:masterClrMapping/>
   </p:clrMapOvr>
+  <p:timing>
+    <p:tnLst>
+      <p:par>
+        <p:cTn id="1" dur="indefinite" restart="never" nodeType="tmRoot"/>
+      </p:par>
+    </p:tnLst>
+  </p:timing>
 </p:sld>
 </file>
 
@@ -3791,10 +3877,15 @@
             <p:ph idx="1"/>
           </p:nvPr>
         </p:nvSpPr>
-        <p:spPr/>
+        <p:spPr>
+          <a:xfrm>
+            <a:off x="457200" y="1646237"/>
+            <a:ext cx="8229600" cy="4735091"/>
+          </a:xfrm>
+        </p:spPr>
         <p:txBody>
           <a:bodyPr>
-            <a:normAutofit/>
+            <a:normAutofit fontScale="92500" lnSpcReduction="10000"/>
           </a:bodyPr>
           <a:lstStyle/>
           <a:p>
@@ -3804,6 +3895,16 @@
             </a:r>
           </a:p>
           <a:p>
+            <a:endParaRPr lang="fr-FR" dirty="0"/>
+          </a:p>
+          <a:p>
+            <a:r>
+              <a:rPr lang="fr-FR" dirty="0" smtClean="0"/>
+              <a:t>Technologies utilisées</a:t>
+            </a:r>
+            <a:endParaRPr lang="fr-FR" dirty="0" smtClean="0"/>
+          </a:p>
+          <a:p>
             <a:endParaRPr lang="fr-FR" dirty="0" smtClean="0"/>
           </a:p>
           <a:p>
@@ -3838,6 +3939,16 @@
               <a:rPr lang="fr-FR" dirty="0" smtClean="0"/>
               <a:t>Questions</a:t>
             </a:r>
+            <a:endParaRPr lang="fr-FR" dirty="0"/>
+          </a:p>
+          <a:p>
+            <a:endParaRPr lang="fr-FR" dirty="0" smtClean="0"/>
+          </a:p>
+          <a:p>
+            <a:endParaRPr lang="fr-FR" dirty="0"/>
+          </a:p>
+          <a:p>
+            <a:endParaRPr lang="fr-FR" dirty="0" smtClean="0"/>
           </a:p>
           <a:p>
             <a:endParaRPr lang="fr-FR" dirty="0"/>
@@ -3854,6 +3965,13 @@
   <p:clrMapOvr>
     <a:masterClrMapping/>
   </p:clrMapOvr>
+  <p:timing>
+    <p:tnLst>
+      <p:par>
+        <p:cTn id="1" dur="indefinite" restart="never" nodeType="tmRoot"/>
+      </p:par>
+    </p:tnLst>
+  </p:timing>
 </p:sld>
 </file>
 
@@ -3912,10 +4030,67 @@
           <a:bodyPr/>
           <a:lstStyle/>
           <a:p>
-            <a:endParaRPr lang="fr-FR"/>
-          </a:p>
-        </p:txBody>
-      </p:sp>
+            <a:r>
+              <a:rPr lang="fr-FR" dirty="0" smtClean="0"/>
+              <a:t>Jeux vidéo type « MMO » en réseau</a:t>
+            </a:r>
+            <a:endParaRPr lang="fr-FR" dirty="0" smtClean="0"/>
+          </a:p>
+          <a:p>
+            <a:endParaRPr lang="fr-FR" dirty="0"/>
+          </a:p>
+          <a:p>
+            <a:r>
+              <a:rPr lang="fr-FR" dirty="0" smtClean="0"/>
+              <a:t>Jeux vidéo en projection 2D :</a:t>
+            </a:r>
+          </a:p>
+          <a:p>
+            <a:endParaRPr lang="fr-FR" dirty="0"/>
+          </a:p>
+        </p:txBody>
+      </p:sp>
+      <p:pic>
+        <p:nvPicPr>
+          <p:cNvPr id="1026" name="Picture 2" descr="C:\Users\paquet_a\Desktop\screen.png"/>
+          <p:cNvPicPr>
+            <a:picLocks noChangeAspect="1" noChangeArrowheads="1"/>
+          </p:cNvPicPr>
+          <p:nvPr/>
+        </p:nvPicPr>
+        <p:blipFill>
+          <a:blip r:embed="rId2">
+            <a:extLst>
+              <a:ext uri="{28A0092B-C50C-407E-A947-70E740481C1C}">
+                <a14:useLocalDpi xmlns:a14="http://schemas.microsoft.com/office/drawing/2010/main" val="0"/>
+              </a:ext>
+            </a:extLst>
+          </a:blip>
+          <a:srcRect/>
+          <a:stretch>
+            <a:fillRect/>
+          </a:stretch>
+        </p:blipFill>
+        <p:spPr bwMode="auto">
+          <a:xfrm>
+            <a:off x="2555776" y="3412376"/>
+            <a:ext cx="3744416" cy="2826923"/>
+          </a:xfrm>
+          <a:prstGeom prst="rect">
+            <a:avLst/>
+          </a:prstGeom>
+          <a:noFill/>
+          <a:extLst>
+            <a:ext uri="{909E8E84-426E-40DD-AFC4-6F175D3DCCD1}">
+              <a14:hiddenFill xmlns:a14="http://schemas.microsoft.com/office/drawing/2010/main">
+                <a:solidFill>
+                  <a:srgbClr val="FFFFFF"/>
+                </a:solidFill>
+              </a14:hiddenFill>
+            </a:ext>
+          </a:extLst>
+        </p:spPr>
+      </p:pic>
     </p:spTree>
     <p:extLst>
       <p:ext uri="{BB962C8B-B14F-4D97-AF65-F5344CB8AC3E}">
@@ -3926,6 +4101,13 @@
   <p:clrMapOvr>
     <a:masterClrMapping/>
   </p:clrMapOvr>
+  <p:timing>
+    <p:tnLst>
+      <p:par>
+        <p:cTn id="1" dur="indefinite" restart="never" nodeType="tmRoot"/>
+      </p:par>
+    </p:tnLst>
+  </p:timing>
 </p:sld>
 </file>
 
@@ -3948,7 +4130,7 @@
       </p:grpSpPr>
       <p:sp>
         <p:nvSpPr>
-          <p:cNvPr id="2" name="Title 1"/>
+          <p:cNvPr id="2" name="Titre 1"/>
           <p:cNvSpPr>
             <a:spLocks noGrp="1"/>
           </p:cNvSpPr>
@@ -3963,7 +4145,7 @@
           <a:p>
             <a:r>
               <a:rPr lang="fr-FR" dirty="0" smtClean="0"/>
-              <a:t>Démonstration</a:t>
+              <a:t>Technologies Utilisées</a:t>
             </a:r>
             <a:endParaRPr lang="fr-FR" dirty="0"/>
           </a:p>
@@ -3971,7 +4153,7 @@
       </p:sp>
       <p:sp>
         <p:nvSpPr>
-          <p:cNvPr id="3" name="Content Placeholder 2"/>
+          <p:cNvPr id="3" name="Espace réservé du contenu 2"/>
           <p:cNvSpPr>
             <a:spLocks noGrp="1"/>
           </p:cNvSpPr>
@@ -3979,25 +4161,67 @@
             <p:ph idx="1"/>
           </p:nvPr>
         </p:nvSpPr>
-        <p:spPr/>
+        <p:spPr>
+          <a:xfrm>
+            <a:off x="467544" y="2420888"/>
+            <a:ext cx="8229600" cy="2862883"/>
+          </a:xfrm>
+        </p:spPr>
         <p:txBody>
           <a:bodyPr/>
           <a:lstStyle/>
           <a:p>
-            <a:endParaRPr lang="fr-FR"/>
+            <a:r>
+              <a:rPr lang="fr-FR" dirty="0" smtClean="0"/>
+              <a:t>Corps du jeu développé en C++</a:t>
+            </a:r>
+          </a:p>
+          <a:p>
+            <a:endParaRPr lang="fr-FR" dirty="0"/>
+          </a:p>
+          <a:p>
+            <a:r>
+              <a:rPr lang="fr-FR" dirty="0" smtClean="0"/>
+              <a:t>Partie graphique QT + SFML</a:t>
+            </a:r>
+          </a:p>
+          <a:p>
+            <a:endParaRPr lang="fr-FR" dirty="0"/>
+          </a:p>
+          <a:p>
+            <a:r>
+              <a:rPr lang="fr-FR" dirty="0" smtClean="0"/>
+              <a:t>Base de donnée </a:t>
+            </a:r>
+            <a:r>
+              <a:rPr lang="fr-FR" dirty="0" err="1" smtClean="0"/>
+              <a:t>MariaDB</a:t>
+            </a:r>
+            <a:r>
+              <a:rPr lang="fr-FR" dirty="0" smtClean="0"/>
+              <a:t> / ODB</a:t>
+            </a:r>
+            <a:endParaRPr lang="fr-FR" dirty="0"/>
           </a:p>
         </p:txBody>
       </p:sp>
     </p:spTree>
     <p:extLst>
       <p:ext uri="{BB962C8B-B14F-4D97-AF65-F5344CB8AC3E}">
-        <p14:creationId xmlns:p14="http://schemas.microsoft.com/office/powerpoint/2010/main" val="1485179819"/>
+        <p14:creationId xmlns:p14="http://schemas.microsoft.com/office/powerpoint/2010/main" val="2332645128"/>
       </p:ext>
     </p:extLst>
   </p:cSld>
   <p:clrMapOvr>
     <a:masterClrMapping/>
   </p:clrMapOvr>
+  <p:timing>
+    <p:tnLst>
+      <p:par>
+        <p:cTn id="1" dur="indefinite" restart="never" nodeType="tmRoot"/>
+      </p:par>
+    </p:tnLst>
+  </p:timing>
 </p:sld>
 </file>
 
@@ -4030,48 +4254,65 @@
         </p:nvSpPr>
         <p:spPr/>
         <p:txBody>
-          <a:bodyPr>
-            <a:normAutofit/>
-          </a:bodyPr>
-          <a:lstStyle/>
-          <a:p>
-            <a:r>
-              <a:rPr lang="fr-FR" dirty="0" smtClean="0"/>
-              <a:t>Comparaison avec le CDC</a:t>
-            </a:r>
-            <a:endParaRPr lang="fr-FR" dirty="0"/>
-          </a:p>
-        </p:txBody>
-      </p:sp>
-      <p:sp>
-        <p:nvSpPr>
-          <p:cNvPr id="3" name="Content Placeholder 2"/>
-          <p:cNvSpPr>
-            <a:spLocks noGrp="1"/>
-          </p:cNvSpPr>
-          <p:nvPr>
-            <p:ph idx="1"/>
-          </p:nvPr>
-        </p:nvSpPr>
-        <p:spPr/>
-        <p:txBody>
           <a:bodyPr/>
           <a:lstStyle/>
           <a:p>
-            <a:endParaRPr lang="fr-FR"/>
+            <a:r>
+              <a:rPr lang="fr-FR" dirty="0" smtClean="0"/>
+              <a:t>Démonstration</a:t>
+            </a:r>
+            <a:endParaRPr lang="fr-FR" dirty="0"/>
+          </a:p>
+        </p:txBody>
+      </p:sp>
+      <p:sp>
+        <p:nvSpPr>
+          <p:cNvPr id="3" name="Content Placeholder 2"/>
+          <p:cNvSpPr>
+            <a:spLocks noGrp="1"/>
+          </p:cNvSpPr>
+          <p:nvPr>
+            <p:ph idx="1"/>
+          </p:nvPr>
+        </p:nvSpPr>
+        <p:spPr>
+          <a:xfrm>
+            <a:off x="1835696" y="3284984"/>
+            <a:ext cx="5554960" cy="792089"/>
+          </a:xfrm>
+        </p:spPr>
+        <p:txBody>
+          <a:bodyPr/>
+          <a:lstStyle/>
+          <a:p>
+            <a:pPr marL="0" indent="0">
+              <a:buNone/>
+            </a:pPr>
+            <a:r>
+              <a:rPr lang="fr-FR" dirty="0" smtClean="0"/>
+              <a:t>Veuillez lancer le jeu SVP</a:t>
+            </a:r>
+            <a:endParaRPr lang="fr-FR" dirty="0"/>
           </a:p>
         </p:txBody>
       </p:sp>
     </p:spTree>
     <p:extLst>
       <p:ext uri="{BB962C8B-B14F-4D97-AF65-F5344CB8AC3E}">
-        <p14:creationId xmlns:p14="http://schemas.microsoft.com/office/powerpoint/2010/main" val="3468669052"/>
+        <p14:creationId xmlns:p14="http://schemas.microsoft.com/office/powerpoint/2010/main" val="1485179819"/>
       </p:ext>
     </p:extLst>
   </p:cSld>
   <p:clrMapOvr>
     <a:masterClrMapping/>
   </p:clrMapOvr>
+  <p:timing>
+    <p:tnLst>
+      <p:par>
+        <p:cTn id="1" dur="indefinite" restart="never" nodeType="tmRoot"/>
+      </p:par>
+    </p:tnLst>
+  </p:timing>
 </p:sld>
 </file>
 
@@ -4110,12 +4351,8 @@
           <a:lstStyle/>
           <a:p>
             <a:r>
-              <a:rPr lang="fr-FR" smtClean="0"/>
-              <a:t>Problèmes </a:t>
-            </a:r>
-            <a:r>
               <a:rPr lang="fr-FR" dirty="0" smtClean="0"/>
-              <a:t>rencontrés</a:t>
+              <a:t>Comparaison avec le CDC</a:t>
             </a:r>
             <a:endParaRPr lang="fr-FR" dirty="0"/>
           </a:p>
@@ -4131,25 +4368,44 @@
             <p:ph idx="1"/>
           </p:nvPr>
         </p:nvSpPr>
-        <p:spPr/>
+        <p:spPr>
+          <a:xfrm>
+            <a:off x="539552" y="3212976"/>
+            <a:ext cx="8229600" cy="630635"/>
+          </a:xfrm>
+        </p:spPr>
         <p:txBody>
           <a:bodyPr/>
           <a:lstStyle/>
           <a:p>
-            <a:endParaRPr lang="fr-FR"/>
+            <a:pPr marL="0" indent="0">
+              <a:buNone/>
+            </a:pPr>
+            <a:r>
+              <a:rPr lang="fr-FR" dirty="0" smtClean="0"/>
+              <a:t>Veuillez ouvrir le cahier des charges SVP</a:t>
+            </a:r>
+            <a:endParaRPr lang="fr-FR" dirty="0"/>
           </a:p>
         </p:txBody>
       </p:sp>
     </p:spTree>
     <p:extLst>
       <p:ext uri="{BB962C8B-B14F-4D97-AF65-F5344CB8AC3E}">
-        <p14:creationId xmlns:p14="http://schemas.microsoft.com/office/powerpoint/2010/main" val="412438591"/>
+        <p14:creationId xmlns:p14="http://schemas.microsoft.com/office/powerpoint/2010/main" val="3468669052"/>
       </p:ext>
     </p:extLst>
   </p:cSld>
   <p:clrMapOvr>
     <a:masterClrMapping/>
   </p:clrMapOvr>
+  <p:timing>
+    <p:tnLst>
+      <p:par>
+        <p:cTn id="1" dur="indefinite" restart="never" nodeType="tmRoot"/>
+      </p:par>
+    </p:tnLst>
+  </p:timing>
 </p:sld>
 </file>
 
@@ -4182,6 +4438,119 @@
         </p:nvSpPr>
         <p:spPr/>
         <p:txBody>
+          <a:bodyPr>
+            <a:normAutofit/>
+          </a:bodyPr>
+          <a:lstStyle/>
+          <a:p>
+            <a:r>
+              <a:rPr lang="fr-FR" smtClean="0"/>
+              <a:t>Problèmes </a:t>
+            </a:r>
+            <a:r>
+              <a:rPr lang="fr-FR" dirty="0" smtClean="0"/>
+              <a:t>rencontrés</a:t>
+            </a:r>
+            <a:endParaRPr lang="fr-FR" dirty="0"/>
+          </a:p>
+        </p:txBody>
+      </p:sp>
+      <p:sp>
+        <p:nvSpPr>
+          <p:cNvPr id="4" name="Content Placeholder 2"/>
+          <p:cNvSpPr>
+            <a:spLocks noGrp="1"/>
+          </p:cNvSpPr>
+          <p:nvPr>
+            <p:ph idx="1"/>
+          </p:nvPr>
+        </p:nvSpPr>
+        <p:spPr>
+          <a:xfrm>
+            <a:off x="467544" y="2564904"/>
+            <a:ext cx="7992888" cy="2232248"/>
+          </a:xfrm>
+        </p:spPr>
+        <p:txBody>
+          <a:bodyPr>
+            <a:normAutofit/>
+          </a:bodyPr>
+          <a:lstStyle/>
+          <a:p>
+            <a:r>
+              <a:rPr lang="fr-FR" dirty="0" smtClean="0"/>
+              <a:t>Cohabitation des librairies</a:t>
+            </a:r>
+          </a:p>
+          <a:p>
+            <a:endParaRPr lang="fr-FR" dirty="0" smtClean="0"/>
+          </a:p>
+          <a:p>
+            <a:r>
+              <a:rPr lang="fr-FR" dirty="0" smtClean="0"/>
+              <a:t>Compilation particulièrement longue</a:t>
+            </a:r>
+          </a:p>
+          <a:p>
+            <a:pPr marL="0" indent="0">
+              <a:buNone/>
+            </a:pPr>
+            <a:endParaRPr lang="fr-FR" dirty="0" smtClean="0"/>
+          </a:p>
+          <a:p>
+            <a:endParaRPr lang="fr-FR" dirty="0"/>
+          </a:p>
+        </p:txBody>
+      </p:sp>
+    </p:spTree>
+    <p:extLst>
+      <p:ext uri="{BB962C8B-B14F-4D97-AF65-F5344CB8AC3E}">
+        <p14:creationId xmlns:p14="http://schemas.microsoft.com/office/powerpoint/2010/main" val="412438591"/>
+      </p:ext>
+    </p:extLst>
+  </p:cSld>
+  <p:clrMapOvr>
+    <a:masterClrMapping/>
+  </p:clrMapOvr>
+  <p:timing>
+    <p:tnLst>
+      <p:par>
+        <p:cTn id="1" dur="indefinite" restart="never" nodeType="tmRoot"/>
+      </p:par>
+    </p:tnLst>
+  </p:timing>
+</p:sld>
+</file>
+
+<file path=ppt/slides/slide8.xml><?xml version="1.0" encoding="utf-8"?>
+<p:sld xmlns:a="http://schemas.openxmlformats.org/drawingml/2006/main" xmlns:r="http://schemas.openxmlformats.org/officeDocument/2006/relationships" xmlns:p="http://schemas.openxmlformats.org/presentationml/2006/main">
+  <p:cSld>
+    <p:spTree>
+      <p:nvGrpSpPr>
+        <p:cNvPr id="1" name=""/>
+        <p:cNvGrpSpPr/>
+        <p:nvPr/>
+      </p:nvGrpSpPr>
+      <p:grpSpPr>
+        <a:xfrm>
+          <a:off x="0" y="0"/>
+          <a:ext cx="0" cy="0"/>
+          <a:chOff x="0" y="0"/>
+          <a:chExt cx="0" cy="0"/>
+        </a:xfrm>
+      </p:grpSpPr>
+      <p:sp>
+        <p:nvSpPr>
+          <p:cNvPr id="2" name="Title 1"/>
+          <p:cNvSpPr>
+            <a:spLocks noGrp="1"/>
+          </p:cNvSpPr>
+          <p:nvPr>
+            <p:ph type="title"/>
+          </p:nvPr>
+        </p:nvSpPr>
+        <p:spPr/>
+        <p:txBody>
           <a:bodyPr/>
           <a:lstStyle/>
           <a:p>
@@ -4203,15 +4572,68 @@
             <p:ph idx="1"/>
           </p:nvPr>
         </p:nvSpPr>
-        <p:spPr/>
+        <p:spPr>
+          <a:xfrm>
+            <a:off x="2627784" y="3007331"/>
+            <a:ext cx="6203032" cy="1206699"/>
+          </a:xfrm>
+        </p:spPr>
         <p:txBody>
           <a:bodyPr/>
           <a:lstStyle/>
           <a:p>
-            <a:endParaRPr lang="fr-FR"/>
-          </a:p>
-        </p:txBody>
-      </p:sp>
+            <a:pPr marL="0" indent="0">
+              <a:buNone/>
+            </a:pPr>
+            <a:r>
+              <a:rPr lang="fr-FR" u="sng" dirty="0" smtClean="0"/>
+              <a:t>Veuillez posez vos questions</a:t>
+            </a:r>
+            <a:endParaRPr lang="fr-FR" u="sng" dirty="0"/>
+          </a:p>
+        </p:txBody>
+      </p:sp>
+      <p:pic>
+        <p:nvPicPr>
+          <p:cNvPr id="2050" name="Picture 2" descr="C:\Users\paquet_a\Desktop\laurent.png"/>
+          <p:cNvPicPr>
+            <a:picLocks noChangeAspect="1" noChangeArrowheads="1"/>
+          </p:cNvPicPr>
+          <p:nvPr/>
+        </p:nvPicPr>
+        <p:blipFill>
+          <a:blip r:embed="rId2">
+            <a:extLst>
+              <a:ext uri="{28A0092B-C50C-407E-A947-70E740481C1C}">
+                <a14:useLocalDpi xmlns:a14="http://schemas.microsoft.com/office/drawing/2010/main" val="0"/>
+              </a:ext>
+            </a:extLst>
+          </a:blip>
+          <a:srcRect/>
+          <a:stretch>
+            <a:fillRect/>
+          </a:stretch>
+        </p:blipFill>
+        <p:spPr bwMode="auto">
+          <a:xfrm>
+            <a:off x="-612576" y="1013850"/>
+            <a:ext cx="3923928" cy="5844149"/>
+          </a:xfrm>
+          <a:prstGeom prst="rect">
+            <a:avLst/>
+          </a:prstGeom>
+          <a:noFill/>
+          <a:extLst>
+            <a:ext uri="{909E8E84-426E-40DD-AFC4-6F175D3DCCD1}">
+              <a14:hiddenFill xmlns:a14="http://schemas.microsoft.com/office/drawing/2010/main">
+                <a:solidFill>
+                  <a:srgbClr val="FFFFFF"/>
+                </a:solidFill>
+              </a14:hiddenFill>
+            </a:ext>
+          </a:extLst>
+        </p:spPr>
+      </p:pic>
     </p:spTree>
     <p:extLst>
       <p:ext uri="{BB962C8B-B14F-4D97-AF65-F5344CB8AC3E}">
@@ -4222,6 +4644,13 @@
   <p:clrMapOvr>
     <a:masterClrMapping/>
   </p:clrMapOvr>
+  <p:timing>
+    <p:tnLst>
+      <p:par>
+        <p:cTn id="1" dur="indefinite" restart="never" nodeType="tmRoot"/>
+      </p:par>
+    </p:tnLst>
+  </p:timing>
 </p:sld>
 </file>
 

--- a/pfa.pptx
+++ b/pfa.pptx
@@ -7,12 +7,13 @@
   <p:sldIdLst>
     <p:sldId id="256" r:id="rId2"/>
     <p:sldId id="257" r:id="rId3"/>
-    <p:sldId id="258" r:id="rId4"/>
-    <p:sldId id="263" r:id="rId5"/>
-    <p:sldId id="259" r:id="rId6"/>
-    <p:sldId id="260" r:id="rId7"/>
-    <p:sldId id="261" r:id="rId8"/>
-    <p:sldId id="262" r:id="rId9"/>
+    <p:sldId id="264" r:id="rId4"/>
+    <p:sldId id="258" r:id="rId5"/>
+    <p:sldId id="263" r:id="rId6"/>
+    <p:sldId id="259" r:id="rId7"/>
+    <p:sldId id="260" r:id="rId8"/>
+    <p:sldId id="261" r:id="rId9"/>
+    <p:sldId id="262" r:id="rId10"/>
   </p:sldIdLst>
   <p:sldSz cx="9144000" cy="6858000" type="screen4x3"/>
   <p:notesSz cx="6858000" cy="9144000"/>
@@ -3885,7 +3886,7 @@
         </p:spPr>
         <p:txBody>
           <a:bodyPr>
-            <a:normAutofit fontScale="92500" lnSpcReduction="10000"/>
+            <a:normAutofit fontScale="85000" lnSpcReduction="20000"/>
           </a:bodyPr>
           <a:lstStyle/>
           <a:p>
@@ -3900,7 +3901,20 @@
           <a:p>
             <a:r>
               <a:rPr lang="fr-FR" dirty="0" smtClean="0"/>
-              <a:t>Technologies utilisées</a:t>
+              <a:t>Technologies </a:t>
+            </a:r>
+            <a:r>
+              <a:rPr lang="fr-FR" dirty="0" smtClean="0"/>
+              <a:t>utilisées</a:t>
+            </a:r>
+          </a:p>
+          <a:p>
+            <a:endParaRPr lang="fr-FR" dirty="0"/>
+          </a:p>
+          <a:p>
+            <a:r>
+              <a:rPr lang="fr-FR" dirty="0" smtClean="0"/>
+              <a:t>Répartition du travail</a:t>
             </a:r>
             <a:endParaRPr lang="fr-FR" dirty="0" smtClean="0"/>
           </a:p>
@@ -3994,7 +4008,7 @@
       </p:grpSpPr>
       <p:sp>
         <p:nvSpPr>
-          <p:cNvPr id="2" name="Title 1"/>
+          <p:cNvPr id="2" name="Titre 1"/>
           <p:cNvSpPr>
             <a:spLocks noGrp="1"/>
           </p:cNvSpPr>
@@ -4009,7 +4023,7 @@
           <a:p>
             <a:r>
               <a:rPr lang="fr-FR" dirty="0" smtClean="0"/>
-              <a:t>Présentation</a:t>
+              <a:t>Répartition du travail</a:t>
             </a:r>
             <a:endParaRPr lang="fr-FR" dirty="0"/>
           </a:p>
@@ -4017,7 +4031,7 @@
       </p:sp>
       <p:sp>
         <p:nvSpPr>
-          <p:cNvPr id="3" name="Content Placeholder 2"/>
+          <p:cNvPr id="3" name="Espace réservé du contenu 2"/>
           <p:cNvSpPr>
             <a:spLocks noGrp="1"/>
           </p:cNvSpPr>
@@ -4031,8 +4045,16 @@
           <a:lstStyle/>
           <a:p>
             <a:r>
+              <a:rPr lang="fr-FR" u="sng" dirty="0" smtClean="0"/>
+              <a:t>BDD</a:t>
+            </a:r>
+            <a:r>
               <a:rPr lang="fr-FR" dirty="0" smtClean="0"/>
-              <a:t>Jeux vidéo type « MMO » en réseau</a:t>
+              <a:t> : </a:t>
+            </a:r>
+            <a:r>
+              <a:rPr lang="fr-FR" dirty="0" err="1" smtClean="0"/>
+              <a:t>mestag_a</a:t>
             </a:r>
             <a:endParaRPr lang="fr-FR" dirty="0" smtClean="0"/>
           </a:p>
@@ -4041,60 +4063,93 @@
           </a:p>
           <a:p>
             <a:r>
+              <a:rPr lang="fr-FR" u="sng" dirty="0" smtClean="0"/>
+              <a:t>Serveur</a:t>
+            </a:r>
+            <a:r>
               <a:rPr lang="fr-FR" dirty="0" smtClean="0"/>
-              <a:t>Jeux vidéo en projection 2D :</a:t>
-            </a:r>
+              <a:t> : </a:t>
+            </a:r>
+            <a:r>
+              <a:rPr lang="fr-FR" dirty="0" err="1" smtClean="0"/>
+              <a:t>ansel_l</a:t>
+            </a:r>
+            <a:r>
+              <a:rPr lang="fr-FR" dirty="0" smtClean="0"/>
+              <a:t> </a:t>
+            </a:r>
+            <a:r>
+              <a:rPr lang="fr-FR" dirty="0" err="1" smtClean="0"/>
+              <a:t>maitre_c</a:t>
+            </a:r>
+            <a:r>
+              <a:rPr lang="fr-FR" dirty="0" smtClean="0"/>
+              <a:t> </a:t>
+            </a:r>
+            <a:r>
+              <a:rPr lang="fr-FR" dirty="0" err="1" smtClean="0"/>
+              <a:t>mestag_a</a:t>
+            </a:r>
+            <a:endParaRPr lang="fr-FR" dirty="0" smtClean="0"/>
           </a:p>
           <a:p>
             <a:endParaRPr lang="fr-FR" dirty="0"/>
           </a:p>
-        </p:txBody>
-      </p:sp>
-      <p:pic>
-        <p:nvPicPr>
-          <p:cNvPr id="1026" name="Picture 2" descr="C:\Users\paquet_a\Desktop\screen.png"/>
-          <p:cNvPicPr>
-            <a:picLocks noChangeAspect="1" noChangeArrowheads="1"/>
-          </p:cNvPicPr>
-          <p:nvPr/>
-        </p:nvPicPr>
-        <p:blipFill>
-          <a:blip r:embed="rId2">
-            <a:extLst>
-              <a:ext uri="{28A0092B-C50C-407E-A947-70E740481C1C}">
-                <a14:useLocalDpi xmlns:a14="http://schemas.microsoft.com/office/drawing/2010/main" val="0"/>
-              </a:ext>
-            </a:extLst>
-          </a:blip>
-          <a:srcRect/>
-          <a:stretch>
-            <a:fillRect/>
-          </a:stretch>
-        </p:blipFill>
-        <p:spPr bwMode="auto">
-          <a:xfrm>
-            <a:off x="2555776" y="3412376"/>
-            <a:ext cx="3744416" cy="2826923"/>
-          </a:xfrm>
-          <a:prstGeom prst="rect">
-            <a:avLst/>
-          </a:prstGeom>
-          <a:noFill/>
-          <a:extLst>
-            <a:ext uri="{909E8E84-426E-40DD-AFC4-6F175D3DCCD1}">
-              <a14:hiddenFill xmlns:a14="http://schemas.microsoft.com/office/drawing/2010/main">
-                <a:solidFill>
-                  <a:srgbClr val="FFFFFF"/>
-                </a:solidFill>
-              </a14:hiddenFill>
-            </a:ext>
-          </a:extLst>
-        </p:spPr>
-      </p:pic>
+          <a:p>
+            <a:r>
+              <a:rPr lang="fr-FR" u="sng" dirty="0" smtClean="0"/>
+              <a:t>Client</a:t>
+            </a:r>
+            <a:r>
+              <a:rPr lang="fr-FR" dirty="0" smtClean="0"/>
+              <a:t> : </a:t>
+            </a:r>
+            <a:r>
+              <a:rPr lang="fr-FR" dirty="0" err="1" smtClean="0"/>
+              <a:t>maresc_g</a:t>
+            </a:r>
+            <a:r>
+              <a:rPr lang="fr-FR" dirty="0" smtClean="0"/>
+              <a:t> </a:t>
+            </a:r>
+            <a:r>
+              <a:rPr lang="fr-FR" dirty="0" err="1" smtClean="0"/>
+              <a:t>jourda_c</a:t>
+            </a:r>
+            <a:endParaRPr lang="fr-FR" dirty="0" smtClean="0"/>
+          </a:p>
+          <a:p>
+            <a:endParaRPr lang="fr-FR" dirty="0"/>
+          </a:p>
+          <a:p>
+            <a:r>
+              <a:rPr lang="fr-FR" u="sng" dirty="0" smtClean="0"/>
+              <a:t>Partie Graphique </a:t>
+            </a:r>
+            <a:r>
+              <a:rPr lang="fr-FR" dirty="0" smtClean="0"/>
+              <a:t>: </a:t>
+            </a:r>
+            <a:r>
+              <a:rPr lang="fr-FR" dirty="0" err="1" smtClean="0"/>
+              <a:t>jourda_c</a:t>
+            </a:r>
+            <a:r>
+              <a:rPr lang="fr-FR" dirty="0" smtClean="0"/>
+              <a:t> </a:t>
+            </a:r>
+            <a:r>
+              <a:rPr lang="fr-FR" dirty="0" err="1" smtClean="0"/>
+              <a:t>paquet_a</a:t>
+            </a:r>
+            <a:endParaRPr lang="fr-FR" dirty="0" smtClean="0"/>
+          </a:p>
+        </p:txBody>
+      </p:sp>
     </p:spTree>
     <p:extLst>
       <p:ext uri="{BB962C8B-B14F-4D97-AF65-F5344CB8AC3E}">
-        <p14:creationId xmlns:p14="http://schemas.microsoft.com/office/powerpoint/2010/main" val="2428782998"/>
+        <p14:creationId xmlns:p14="http://schemas.microsoft.com/office/powerpoint/2010/main" val="1780638397"/>
       </p:ext>
     </p:extLst>
   </p:cSld>
@@ -4130,7 +4185,7 @@
       </p:grpSpPr>
       <p:sp>
         <p:nvSpPr>
-          <p:cNvPr id="2" name="Titre 1"/>
+          <p:cNvPr id="2" name="Title 1"/>
           <p:cNvSpPr>
             <a:spLocks noGrp="1"/>
           </p:cNvSpPr>
@@ -4145,7 +4200,7 @@
           <a:p>
             <a:r>
               <a:rPr lang="fr-FR" dirty="0" smtClean="0"/>
-              <a:t>Technologies Utilisées</a:t>
+              <a:t>Présentation</a:t>
             </a:r>
             <a:endParaRPr lang="fr-FR" dirty="0"/>
           </a:p>
@@ -4153,7 +4208,7 @@
       </p:sp>
       <p:sp>
         <p:nvSpPr>
-          <p:cNvPr id="3" name="Espace réservé du contenu 2"/>
+          <p:cNvPr id="3" name="Content Placeholder 2"/>
           <p:cNvSpPr>
             <a:spLocks noGrp="1"/>
           </p:cNvSpPr>
@@ -4161,19 +4216,14 @@
             <p:ph idx="1"/>
           </p:nvPr>
         </p:nvSpPr>
-        <p:spPr>
-          <a:xfrm>
-            <a:off x="467544" y="2420888"/>
-            <a:ext cx="8229600" cy="2862883"/>
-          </a:xfrm>
-        </p:spPr>
+        <p:spPr/>
         <p:txBody>
           <a:bodyPr/>
           <a:lstStyle/>
           <a:p>
             <a:r>
               <a:rPr lang="fr-FR" dirty="0" smtClean="0"/>
-              <a:t>Corps du jeu développé en C++</a:t>
+              <a:t>Jeux vidéo type « MMO » en réseau</a:t>
             </a:r>
           </a:p>
           <a:p>
@@ -4182,33 +4232,59 @@
           <a:p>
             <a:r>
               <a:rPr lang="fr-FR" dirty="0" smtClean="0"/>
-              <a:t>Partie graphique QT + SFML</a:t>
+              <a:t>Jeux vidéo en projection 2D :</a:t>
             </a:r>
           </a:p>
           <a:p>
             <a:endParaRPr lang="fr-FR" dirty="0"/>
           </a:p>
-          <a:p>
-            <a:r>
-              <a:rPr lang="fr-FR" dirty="0" smtClean="0"/>
-              <a:t>Base de donnée </a:t>
-            </a:r>
-            <a:r>
-              <a:rPr lang="fr-FR" dirty="0" err="1" smtClean="0"/>
-              <a:t>MariaDB</a:t>
-            </a:r>
-            <a:r>
-              <a:rPr lang="fr-FR" dirty="0" smtClean="0"/>
-              <a:t> / ODB</a:t>
-            </a:r>
-            <a:endParaRPr lang="fr-FR" dirty="0"/>
-          </a:p>
-        </p:txBody>
-      </p:sp>
+        </p:txBody>
+      </p:sp>
+      <p:pic>
+        <p:nvPicPr>
+          <p:cNvPr id="1026" name="Picture 2" descr="C:\Users\paquet_a\Desktop\screen.png"/>
+          <p:cNvPicPr>
+            <a:picLocks noChangeAspect="1" noChangeArrowheads="1"/>
+          </p:cNvPicPr>
+          <p:nvPr/>
+        </p:nvPicPr>
+        <p:blipFill>
+          <a:blip r:embed="rId2">
+            <a:extLst>
+              <a:ext uri="{28A0092B-C50C-407E-A947-70E740481C1C}">
+                <a14:useLocalDpi xmlns:a14="http://schemas.microsoft.com/office/drawing/2010/main" val="0"/>
+              </a:ext>
+            </a:extLst>
+          </a:blip>
+          <a:srcRect/>
+          <a:stretch>
+            <a:fillRect/>
+          </a:stretch>
+        </p:blipFill>
+        <p:spPr bwMode="auto">
+          <a:xfrm>
+            <a:off x="2555776" y="3412376"/>
+            <a:ext cx="3744416" cy="2826923"/>
+          </a:xfrm>
+          <a:prstGeom prst="rect">
+            <a:avLst/>
+          </a:prstGeom>
+          <a:noFill/>
+          <a:extLst>
+            <a:ext uri="{909E8E84-426E-40DD-AFC4-6F175D3DCCD1}">
+              <a14:hiddenFill xmlns:a14="http://schemas.microsoft.com/office/drawing/2010/main">
+                <a:solidFill>
+                  <a:srgbClr val="FFFFFF"/>
+                </a:solidFill>
+              </a14:hiddenFill>
+            </a:ext>
+          </a:extLst>
+        </p:spPr>
+      </p:pic>
     </p:spTree>
     <p:extLst>
       <p:ext uri="{BB962C8B-B14F-4D97-AF65-F5344CB8AC3E}">
-        <p14:creationId xmlns:p14="http://schemas.microsoft.com/office/powerpoint/2010/main" val="2332645128"/>
+        <p14:creationId xmlns:p14="http://schemas.microsoft.com/office/powerpoint/2010/main" val="2428782998"/>
       </p:ext>
     </p:extLst>
   </p:cSld>
@@ -4244,7 +4320,7 @@
       </p:grpSpPr>
       <p:sp>
         <p:nvSpPr>
-          <p:cNvPr id="2" name="Title 1"/>
+          <p:cNvPr id="2" name="Titre 1"/>
           <p:cNvSpPr>
             <a:spLocks noGrp="1"/>
           </p:cNvSpPr>
@@ -4259,7 +4335,7 @@
           <a:p>
             <a:r>
               <a:rPr lang="fr-FR" dirty="0" smtClean="0"/>
-              <a:t>Démonstration</a:t>
+              <a:t>Technologies Utilisées</a:t>
             </a:r>
             <a:endParaRPr lang="fr-FR" dirty="0"/>
           </a:p>
@@ -4267,7 +4343,7 @@
       </p:sp>
       <p:sp>
         <p:nvSpPr>
-          <p:cNvPr id="3" name="Content Placeholder 2"/>
+          <p:cNvPr id="3" name="Espace réservé du contenu 2"/>
           <p:cNvSpPr>
             <a:spLocks noGrp="1"/>
           </p:cNvSpPr>
@@ -4277,20 +4353,43 @@
         </p:nvSpPr>
         <p:spPr>
           <a:xfrm>
-            <a:off x="1835696" y="3284984"/>
-            <a:ext cx="5554960" cy="792089"/>
+            <a:off x="467544" y="2420888"/>
+            <a:ext cx="8229600" cy="2862883"/>
           </a:xfrm>
         </p:spPr>
         <p:txBody>
           <a:bodyPr/>
           <a:lstStyle/>
           <a:p>
-            <a:pPr marL="0" indent="0">
-              <a:buNone/>
-            </a:pPr>
             <a:r>
               <a:rPr lang="fr-FR" dirty="0" smtClean="0"/>
-              <a:t>Veuillez lancer le jeu SVP</a:t>
+              <a:t>Corps du jeu développé en C++</a:t>
+            </a:r>
+          </a:p>
+          <a:p>
+            <a:endParaRPr lang="fr-FR" dirty="0"/>
+          </a:p>
+          <a:p>
+            <a:r>
+              <a:rPr lang="fr-FR" dirty="0" smtClean="0"/>
+              <a:t>Partie graphique QT + SFML</a:t>
+            </a:r>
+          </a:p>
+          <a:p>
+            <a:endParaRPr lang="fr-FR" dirty="0"/>
+          </a:p>
+          <a:p>
+            <a:r>
+              <a:rPr lang="fr-FR" dirty="0" smtClean="0"/>
+              <a:t>Base de donnée </a:t>
+            </a:r>
+            <a:r>
+              <a:rPr lang="fr-FR" dirty="0" err="1" smtClean="0"/>
+              <a:t>MariaDB</a:t>
+            </a:r>
+            <a:r>
+              <a:rPr lang="fr-FR" dirty="0" smtClean="0"/>
+              <a:t> / ODB</a:t>
             </a:r>
             <a:endParaRPr lang="fr-FR" dirty="0"/>
           </a:p>
@@ -4299,7 +4398,7 @@
     </p:spTree>
     <p:extLst>
       <p:ext uri="{BB962C8B-B14F-4D97-AF65-F5344CB8AC3E}">
-        <p14:creationId xmlns:p14="http://schemas.microsoft.com/office/powerpoint/2010/main" val="1485179819"/>
+        <p14:creationId xmlns:p14="http://schemas.microsoft.com/office/powerpoint/2010/main" val="2332645128"/>
       </p:ext>
     </p:extLst>
   </p:cSld>
@@ -4345,14 +4444,12 @@
         </p:nvSpPr>
         <p:spPr/>
         <p:txBody>
-          <a:bodyPr>
-            <a:normAutofit/>
-          </a:bodyPr>
+          <a:bodyPr/>
           <a:lstStyle/>
           <a:p>
             <a:r>
               <a:rPr lang="fr-FR" dirty="0" smtClean="0"/>
-              <a:t>Comparaison avec le CDC</a:t>
+              <a:t>Démonstration</a:t>
             </a:r>
             <a:endParaRPr lang="fr-FR" dirty="0"/>
           </a:p>
@@ -4370,8 +4467,8 @@
         </p:nvSpPr>
         <p:spPr>
           <a:xfrm>
-            <a:off x="539552" y="3212976"/>
-            <a:ext cx="8229600" cy="630635"/>
+            <a:off x="1835696" y="3284984"/>
+            <a:ext cx="5554960" cy="792089"/>
           </a:xfrm>
         </p:spPr>
         <p:txBody>
@@ -4383,7 +4480,7 @@
             </a:pPr>
             <a:r>
               <a:rPr lang="fr-FR" dirty="0" smtClean="0"/>
-              <a:t>Veuillez ouvrir le cahier des charges SVP</a:t>
+              <a:t>Veuillez lancer le jeu SVP</a:t>
             </a:r>
             <a:endParaRPr lang="fr-FR" dirty="0"/>
           </a:p>
@@ -4392,7 +4489,7 @@
     </p:spTree>
     <p:extLst>
       <p:ext uri="{BB962C8B-B14F-4D97-AF65-F5344CB8AC3E}">
-        <p14:creationId xmlns:p14="http://schemas.microsoft.com/office/powerpoint/2010/main" val="3468669052"/>
+        <p14:creationId xmlns:p14="http://schemas.microsoft.com/office/powerpoint/2010/main" val="1485179819"/>
       </p:ext>
     </p:extLst>
   </p:cSld>
@@ -4444,6 +4541,99 @@
           <a:lstStyle/>
           <a:p>
             <a:r>
+              <a:rPr lang="fr-FR" dirty="0" smtClean="0"/>
+              <a:t>Comparaison avec le CDC</a:t>
+            </a:r>
+            <a:endParaRPr lang="fr-FR" dirty="0"/>
+          </a:p>
+        </p:txBody>
+      </p:sp>
+      <p:sp>
+        <p:nvSpPr>
+          <p:cNvPr id="3" name="Content Placeholder 2"/>
+          <p:cNvSpPr>
+            <a:spLocks noGrp="1"/>
+          </p:cNvSpPr>
+          <p:nvPr>
+            <p:ph idx="1"/>
+          </p:nvPr>
+        </p:nvSpPr>
+        <p:spPr>
+          <a:xfrm>
+            <a:off x="1043608" y="3212976"/>
+            <a:ext cx="6984776" cy="648072"/>
+          </a:xfrm>
+        </p:spPr>
+        <p:txBody>
+          <a:bodyPr/>
+          <a:lstStyle/>
+          <a:p>
+            <a:pPr marL="0" indent="0">
+              <a:buNone/>
+            </a:pPr>
+            <a:r>
+              <a:rPr lang="fr-FR" dirty="0" smtClean="0"/>
+              <a:t>Nous ouvrons le cahier des charges</a:t>
+            </a:r>
+            <a:endParaRPr lang="fr-FR" dirty="0"/>
+          </a:p>
+        </p:txBody>
+      </p:sp>
+    </p:spTree>
+    <p:extLst>
+      <p:ext uri="{BB962C8B-B14F-4D97-AF65-F5344CB8AC3E}">
+        <p14:creationId xmlns:p14="http://schemas.microsoft.com/office/powerpoint/2010/main" val="3468669052"/>
+      </p:ext>
+    </p:extLst>
+  </p:cSld>
+  <p:clrMapOvr>
+    <a:masterClrMapping/>
+  </p:clrMapOvr>
+  <p:timing>
+    <p:tnLst>
+      <p:par>
+        <p:cTn id="1" dur="indefinite" restart="never" nodeType="tmRoot"/>
+      </p:par>
+    </p:tnLst>
+  </p:timing>
+</p:sld>
+</file>
+
+<file path=ppt/slides/slide8.xml><?xml version="1.0" encoding="utf-8"?>
+<p:sld xmlns:a="http://schemas.openxmlformats.org/drawingml/2006/main" xmlns:r="http://schemas.openxmlformats.org/officeDocument/2006/relationships" xmlns:p="http://schemas.openxmlformats.org/presentationml/2006/main">
+  <p:cSld>
+    <p:spTree>
+      <p:nvGrpSpPr>
+        <p:cNvPr id="1" name=""/>
+        <p:cNvGrpSpPr/>
+        <p:nvPr/>
+      </p:nvGrpSpPr>
+      <p:grpSpPr>
+        <a:xfrm>
+          <a:off x="0" y="0"/>
+          <a:ext cx="0" cy="0"/>
+          <a:chOff x="0" y="0"/>
+          <a:chExt cx="0" cy="0"/>
+        </a:xfrm>
+      </p:grpSpPr>
+      <p:sp>
+        <p:nvSpPr>
+          <p:cNvPr id="2" name="Title 1"/>
+          <p:cNvSpPr>
+            <a:spLocks noGrp="1"/>
+          </p:cNvSpPr>
+          <p:nvPr>
+            <p:ph type="title"/>
+          </p:nvPr>
+        </p:nvSpPr>
+        <p:spPr/>
+        <p:txBody>
+          <a:bodyPr>
+            <a:normAutofit/>
+          </a:bodyPr>
+          <a:lstStyle/>
+          <a:p>
+            <a:r>
               <a:rPr lang="fr-FR" smtClean="0"/>
               <a:t>Problèmes </a:t>
             </a:r>
@@ -4522,7 +4712,7 @@
 </p:sld>
 </file>
 
-<file path=ppt/slides/slide8.xml><?xml version="1.0" encoding="utf-8"?>
+<file path=ppt/slides/slide9.xml><?xml version="1.0" encoding="utf-8"?>
 <p:sld xmlns:a="http://schemas.openxmlformats.org/drawingml/2006/main" xmlns:r="http://schemas.openxmlformats.org/officeDocument/2006/relationships" xmlns:p="http://schemas.openxmlformats.org/presentationml/2006/main">
   <p:cSld>
     <p:spTree>

--- a/pfa.pptx
+++ b/pfa.pptx
@@ -7,8 +7,8 @@
   <p:sldIdLst>
     <p:sldId id="256" r:id="rId2"/>
     <p:sldId id="257" r:id="rId3"/>
-    <p:sldId id="264" r:id="rId4"/>
-    <p:sldId id="258" r:id="rId5"/>
+    <p:sldId id="258" r:id="rId4"/>
+    <p:sldId id="264" r:id="rId5"/>
     <p:sldId id="263" r:id="rId6"/>
     <p:sldId id="259" r:id="rId7"/>
     <p:sldId id="260" r:id="rId8"/>
@@ -3901,22 +3901,23 @@
           <a:p>
             <a:r>
               <a:rPr lang="fr-FR" dirty="0" smtClean="0"/>
+              <a:t>Répartition du travail</a:t>
+            </a:r>
+            <a:endParaRPr lang="fr-FR" dirty="0" smtClean="0"/>
+          </a:p>
+          <a:p>
+            <a:endParaRPr lang="fr-FR" dirty="0"/>
+          </a:p>
+          <a:p>
+            <a:r>
+              <a:rPr lang="fr-FR" dirty="0"/>
               <a:t>Technologies </a:t>
             </a:r>
             <a:r>
               <a:rPr lang="fr-FR" dirty="0" smtClean="0"/>
               <a:t>utilisées</a:t>
             </a:r>
-          </a:p>
-          <a:p>
             <a:endParaRPr lang="fr-FR" dirty="0"/>
-          </a:p>
-          <a:p>
-            <a:r>
-              <a:rPr lang="fr-FR" dirty="0" smtClean="0"/>
-              <a:t>Répartition du travail</a:t>
-            </a:r>
-            <a:endParaRPr lang="fr-FR" dirty="0" smtClean="0"/>
           </a:p>
           <a:p>
             <a:endParaRPr lang="fr-FR" dirty="0" smtClean="0"/>
@@ -4008,7 +4009,7 @@
       </p:grpSpPr>
       <p:sp>
         <p:nvSpPr>
-          <p:cNvPr id="2" name="Titre 1"/>
+          <p:cNvPr id="2" name="Title 1"/>
           <p:cNvSpPr>
             <a:spLocks noGrp="1"/>
           </p:cNvSpPr>
@@ -4023,7 +4024,7 @@
           <a:p>
             <a:r>
               <a:rPr lang="fr-FR" dirty="0" smtClean="0"/>
-              <a:t>Répartition du travail</a:t>
+              <a:t>Présentation</a:t>
             </a:r>
             <a:endParaRPr lang="fr-FR" dirty="0"/>
           </a:p>
@@ -4031,7 +4032,7 @@
       </p:sp>
       <p:sp>
         <p:nvSpPr>
-          <p:cNvPr id="3" name="Espace réservé du contenu 2"/>
+          <p:cNvPr id="3" name="Content Placeholder 2"/>
           <p:cNvSpPr>
             <a:spLocks noGrp="1"/>
           </p:cNvSpPr>
@@ -4045,111 +4046,69 @@
           <a:lstStyle/>
           <a:p>
             <a:r>
-              <a:rPr lang="fr-FR" u="sng" dirty="0" smtClean="0"/>
-              <a:t>BDD</a:t>
-            </a:r>
-            <a:r>
               <a:rPr lang="fr-FR" dirty="0" smtClean="0"/>
-              <a:t> : </a:t>
-            </a:r>
-            <a:r>
-              <a:rPr lang="fr-FR" dirty="0" err="1" smtClean="0"/>
-              <a:t>mestag_a</a:t>
-            </a:r>
-            <a:endParaRPr lang="fr-FR" dirty="0" smtClean="0"/>
+              <a:t>Jeux vidéo type « MMO » en réseau</a:t>
+            </a:r>
           </a:p>
           <a:p>
             <a:endParaRPr lang="fr-FR" dirty="0"/>
           </a:p>
           <a:p>
             <a:r>
-              <a:rPr lang="fr-FR" u="sng" dirty="0" smtClean="0"/>
-              <a:t>Serveur</a:t>
-            </a:r>
-            <a:r>
               <a:rPr lang="fr-FR" dirty="0" smtClean="0"/>
-              <a:t> : </a:t>
-            </a:r>
-            <a:r>
-              <a:rPr lang="fr-FR" dirty="0" err="1" smtClean="0"/>
-              <a:t>ansel_l</a:t>
-            </a:r>
-            <a:r>
-              <a:rPr lang="fr-FR" dirty="0" smtClean="0"/>
-              <a:t> </a:t>
-            </a:r>
-            <a:r>
-              <a:rPr lang="fr-FR" dirty="0" err="1" smtClean="0"/>
-              <a:t>maitre_c</a:t>
-            </a:r>
-            <a:r>
-              <a:rPr lang="fr-FR" dirty="0" smtClean="0"/>
-              <a:t> </a:t>
-            </a:r>
-            <a:r>
-              <a:rPr lang="fr-FR" dirty="0" err="1" smtClean="0"/>
-              <a:t>mestag_a</a:t>
-            </a:r>
-            <a:endParaRPr lang="fr-FR" dirty="0" smtClean="0"/>
+              <a:t>Jeux vidéo en projection 2D :</a:t>
+            </a:r>
           </a:p>
           <a:p>
             <a:endParaRPr lang="fr-FR" dirty="0"/>
           </a:p>
-          <a:p>
-            <a:r>
-              <a:rPr lang="fr-FR" u="sng" dirty="0" smtClean="0"/>
-              <a:t>Client</a:t>
-            </a:r>
-            <a:r>
-              <a:rPr lang="fr-FR" dirty="0" smtClean="0"/>
-              <a:t> : </a:t>
-            </a:r>
-            <a:r>
-              <a:rPr lang="fr-FR" dirty="0" err="1" smtClean="0"/>
-              <a:t>maresc_g</a:t>
-            </a:r>
-            <a:r>
-              <a:rPr lang="fr-FR" dirty="0" smtClean="0"/>
-              <a:t> </a:t>
-            </a:r>
-            <a:r>
-              <a:rPr lang="fr-FR" dirty="0" err="1" smtClean="0"/>
-              <a:t>jourda_c</a:t>
-            </a:r>
-            <a:endParaRPr lang="fr-FR" dirty="0" smtClean="0"/>
-          </a:p>
-          <a:p>
-            <a:endParaRPr lang="fr-FR" dirty="0"/>
-          </a:p>
-          <a:p>
-            <a:r>
-              <a:rPr lang="fr-FR" u="sng" dirty="0" smtClean="0"/>
-              <a:t>Partie Graphique </a:t>
-            </a:r>
-            <a:r>
-              <a:rPr lang="fr-FR" dirty="0" smtClean="0"/>
-              <a:t>: </a:t>
-            </a:r>
-            <a:r>
-              <a:rPr lang="fr-FR" dirty="0" err="1" smtClean="0"/>
-              <a:t>jourda_c</a:t>
-            </a:r>
-            <a:r>
-              <a:rPr lang="fr-FR" dirty="0" smtClean="0"/>
-              <a:t> </a:t>
-            </a:r>
-            <a:r>
-              <a:rPr lang="fr-FR" dirty="0" err="1" smtClean="0"/>
-              <a:t>paquet_a</a:t>
-            </a:r>
-            <a:endParaRPr lang="fr-FR" dirty="0" smtClean="0"/>
-          </a:p>
-        </p:txBody>
-      </p:sp>
+        </p:txBody>
+      </p:sp>
+      <p:pic>
+        <p:nvPicPr>
+          <p:cNvPr id="1026" name="Picture 2" descr="C:\Users\paquet_a\Desktop\screen.png"/>
+          <p:cNvPicPr>
+            <a:picLocks noChangeAspect="1" noChangeArrowheads="1"/>
+          </p:cNvPicPr>
+          <p:nvPr/>
+        </p:nvPicPr>
+        <p:blipFill>
+          <a:blip r:embed="rId2">
+            <a:extLst>
+              <a:ext uri="{28A0092B-C50C-407E-A947-70E740481C1C}">
+                <a14:useLocalDpi xmlns:a14="http://schemas.microsoft.com/office/drawing/2010/main" val="0"/>
+              </a:ext>
+            </a:extLst>
+          </a:blip>
+          <a:srcRect/>
+          <a:stretch>
+            <a:fillRect/>
+          </a:stretch>
+        </p:blipFill>
+        <p:spPr bwMode="auto">
+          <a:xfrm>
+            <a:off x="2555776" y="3412376"/>
+            <a:ext cx="3744416" cy="2826923"/>
+          </a:xfrm>
+          <a:prstGeom prst="rect">
+            <a:avLst/>
+          </a:prstGeom>
+          <a:noFill/>
+          <a:extLst>
+            <a:ext uri="{909E8E84-426E-40DD-AFC4-6F175D3DCCD1}">
+              <a14:hiddenFill xmlns:a14="http://schemas.microsoft.com/office/drawing/2010/main">
+                <a:solidFill>
+                  <a:srgbClr val="FFFFFF"/>
+                </a:solidFill>
+              </a14:hiddenFill>
+            </a:ext>
+          </a:extLst>
+        </p:spPr>
+      </p:pic>
     </p:spTree>
     <p:extLst>
       <p:ext uri="{BB962C8B-B14F-4D97-AF65-F5344CB8AC3E}">
-        <p14:creationId xmlns:p14="http://schemas.microsoft.com/office/powerpoint/2010/main" val="1780638397"/>
+        <p14:creationId xmlns:p14="http://schemas.microsoft.com/office/powerpoint/2010/main" val="2428782998"/>
       </p:ext>
     </p:extLst>
   </p:cSld>
@@ -4185,7 +4144,7 @@
       </p:grpSpPr>
       <p:sp>
         <p:nvSpPr>
-          <p:cNvPr id="2" name="Title 1"/>
+          <p:cNvPr id="2" name="Titre 1"/>
           <p:cNvSpPr>
             <a:spLocks noGrp="1"/>
           </p:cNvSpPr>
@@ -4200,7 +4159,7 @@
           <a:p>
             <a:r>
               <a:rPr lang="fr-FR" dirty="0" smtClean="0"/>
-              <a:t>Présentation</a:t>
+              <a:t>Répartition du travail</a:t>
             </a:r>
             <a:endParaRPr lang="fr-FR" dirty="0"/>
           </a:p>
@@ -4208,7 +4167,7 @@
       </p:sp>
       <p:sp>
         <p:nvSpPr>
-          <p:cNvPr id="3" name="Content Placeholder 2"/>
+          <p:cNvPr id="3" name="Espace réservé du contenu 2"/>
           <p:cNvSpPr>
             <a:spLocks noGrp="1"/>
           </p:cNvSpPr>
@@ -4222,69 +4181,111 @@
           <a:lstStyle/>
           <a:p>
             <a:r>
+              <a:rPr lang="fr-FR" u="sng" dirty="0" smtClean="0"/>
+              <a:t>BDD</a:t>
+            </a:r>
+            <a:r>
               <a:rPr lang="fr-FR" dirty="0" smtClean="0"/>
-              <a:t>Jeux vidéo type « MMO » en réseau</a:t>
-            </a:r>
+              <a:t> : </a:t>
+            </a:r>
+            <a:r>
+              <a:rPr lang="fr-FR" dirty="0" err="1" smtClean="0"/>
+              <a:t>mestag_a</a:t>
+            </a:r>
+            <a:endParaRPr lang="fr-FR" dirty="0" smtClean="0"/>
           </a:p>
           <a:p>
             <a:endParaRPr lang="fr-FR" dirty="0"/>
           </a:p>
           <a:p>
             <a:r>
+              <a:rPr lang="fr-FR" u="sng" dirty="0" smtClean="0"/>
+              <a:t>Serveur</a:t>
+            </a:r>
+            <a:r>
               <a:rPr lang="fr-FR" dirty="0" smtClean="0"/>
-              <a:t>Jeux vidéo en projection 2D :</a:t>
-            </a:r>
+              <a:t> : </a:t>
+            </a:r>
+            <a:r>
+              <a:rPr lang="fr-FR" dirty="0" err="1" smtClean="0"/>
+              <a:t>ansel_l</a:t>
+            </a:r>
+            <a:r>
+              <a:rPr lang="fr-FR" dirty="0" smtClean="0"/>
+              <a:t> </a:t>
+            </a:r>
+            <a:r>
+              <a:rPr lang="fr-FR" dirty="0" err="1" smtClean="0"/>
+              <a:t>maitre_c</a:t>
+            </a:r>
+            <a:r>
+              <a:rPr lang="fr-FR" dirty="0" smtClean="0"/>
+              <a:t> </a:t>
+            </a:r>
+            <a:r>
+              <a:rPr lang="fr-FR" dirty="0" err="1" smtClean="0"/>
+              <a:t>mestag_a</a:t>
+            </a:r>
+            <a:endParaRPr lang="fr-FR" dirty="0" smtClean="0"/>
           </a:p>
           <a:p>
             <a:endParaRPr lang="fr-FR" dirty="0"/>
           </a:p>
-        </p:txBody>
-      </p:sp>
-      <p:pic>
-        <p:nvPicPr>
-          <p:cNvPr id="1026" name="Picture 2" descr="C:\Users\paquet_a\Desktop\screen.png"/>
-          <p:cNvPicPr>
-            <a:picLocks noChangeAspect="1" noChangeArrowheads="1"/>
-          </p:cNvPicPr>
-          <p:nvPr/>
-        </p:nvPicPr>
-        <p:blipFill>
-          <a:blip r:embed="rId2">
-            <a:extLst>
-              <a:ext uri="{28A0092B-C50C-407E-A947-70E740481C1C}">
-                <a14:useLocalDpi xmlns:a14="http://schemas.microsoft.com/office/drawing/2010/main" val="0"/>
-              </a:ext>
-            </a:extLst>
-          </a:blip>
-          <a:srcRect/>
-          <a:stretch>
-            <a:fillRect/>
-          </a:stretch>
-        </p:blipFill>
-        <p:spPr bwMode="auto">
-          <a:xfrm>
-            <a:off x="2555776" y="3412376"/>
-            <a:ext cx="3744416" cy="2826923"/>
-          </a:xfrm>
-          <a:prstGeom prst="rect">
-            <a:avLst/>
-          </a:prstGeom>
-          <a:noFill/>
-          <a:extLst>
-            <a:ext uri="{909E8E84-426E-40DD-AFC4-6F175D3DCCD1}">
-              <a14:hiddenFill xmlns:a14="http://schemas.microsoft.com/office/drawing/2010/main">
-                <a:solidFill>
-                  <a:srgbClr val="FFFFFF"/>
-                </a:solidFill>
-              </a14:hiddenFill>
-            </a:ext>
-          </a:extLst>
-        </p:spPr>
-      </p:pic>
+          <a:p>
+            <a:r>
+              <a:rPr lang="fr-FR" u="sng" dirty="0" smtClean="0"/>
+              <a:t>Client</a:t>
+            </a:r>
+            <a:r>
+              <a:rPr lang="fr-FR" dirty="0" smtClean="0"/>
+              <a:t> : </a:t>
+            </a:r>
+            <a:r>
+              <a:rPr lang="fr-FR" dirty="0" err="1" smtClean="0"/>
+              <a:t>maresc_g</a:t>
+            </a:r>
+            <a:r>
+              <a:rPr lang="fr-FR" dirty="0" smtClean="0"/>
+              <a:t> </a:t>
+            </a:r>
+            <a:r>
+              <a:rPr lang="fr-FR" dirty="0" err="1" smtClean="0"/>
+              <a:t>jourda_c</a:t>
+            </a:r>
+            <a:endParaRPr lang="fr-FR" dirty="0" smtClean="0"/>
+          </a:p>
+          <a:p>
+            <a:endParaRPr lang="fr-FR" dirty="0"/>
+          </a:p>
+          <a:p>
+            <a:r>
+              <a:rPr lang="fr-FR" u="sng" dirty="0" smtClean="0"/>
+              <a:t>Partie Graphique </a:t>
+            </a:r>
+            <a:r>
+              <a:rPr lang="fr-FR" dirty="0" smtClean="0"/>
+              <a:t>: </a:t>
+            </a:r>
+            <a:r>
+              <a:rPr lang="fr-FR" dirty="0" err="1" smtClean="0"/>
+              <a:t>jourda_c</a:t>
+            </a:r>
+            <a:r>
+              <a:rPr lang="fr-FR" dirty="0" smtClean="0"/>
+              <a:t> </a:t>
+            </a:r>
+            <a:r>
+              <a:rPr lang="fr-FR" dirty="0" err="1" smtClean="0"/>
+              <a:t>paquet_a</a:t>
+            </a:r>
+            <a:endParaRPr lang="fr-FR" dirty="0" smtClean="0"/>
+          </a:p>
+        </p:txBody>
+      </p:sp>
     </p:spTree>
     <p:extLst>
       <p:ext uri="{BB962C8B-B14F-4D97-AF65-F5344CB8AC3E}">
-        <p14:creationId xmlns:p14="http://schemas.microsoft.com/office/powerpoint/2010/main" val="2428782998"/>
+        <p14:creationId xmlns:p14="http://schemas.microsoft.com/office/powerpoint/2010/main" val="1780638397"/>
       </p:ext>
     </p:extLst>
   </p:cSld>
@@ -4764,7 +4765,7 @@
         </p:nvSpPr>
         <p:spPr>
           <a:xfrm>
-            <a:off x="2627784" y="3007331"/>
+            <a:off x="1763688" y="2924944"/>
             <a:ext cx="6203032" cy="1206699"/>
           </a:xfrm>
         </p:spPr>
@@ -4783,47 +4784,6 @@
           </a:p>
         </p:txBody>
       </p:sp>
-      <p:pic>
-        <p:nvPicPr>
-          <p:cNvPr id="2050" name="Picture 2" descr="C:\Users\paquet_a\Desktop\laurent.png"/>
-          <p:cNvPicPr>
-            <a:picLocks noChangeAspect="1" noChangeArrowheads="1"/>
-          </p:cNvPicPr>
-          <p:nvPr/>
-        </p:nvPicPr>
-        <p:blipFill>
-          <a:blip r:embed="rId2">
-            <a:extLst>
-              <a:ext uri="{28A0092B-C50C-407E-A947-70E740481C1C}">
-                <a14:useLocalDpi xmlns:a14="http://schemas.microsoft.com/office/drawing/2010/main" val="0"/>
-              </a:ext>
-            </a:extLst>
-          </a:blip>
-          <a:srcRect/>
-          <a:stretch>
-            <a:fillRect/>
-          </a:stretch>
-        </p:blipFill>
-        <p:spPr bwMode="auto">
-          <a:xfrm>
-            <a:off x="-612576" y="1013850"/>
-            <a:ext cx="3923928" cy="5844149"/>
-          </a:xfrm>
-          <a:prstGeom prst="rect">
-            <a:avLst/>
-          </a:prstGeom>
-          <a:noFill/>
-          <a:extLst>
-            <a:ext uri="{909E8E84-426E-40DD-AFC4-6F175D3DCCD1}">
-              <a14:hiddenFill xmlns:a14="http://schemas.microsoft.com/office/drawing/2010/main">
-                <a:solidFill>
-                  <a:srgbClr val="FFFFFF"/>
-                </a:solidFill>
-              </a14:hiddenFill>
-            </a:ext>
-          </a:extLst>
-        </p:spPr>
-      </p:pic>
     </p:spTree>
     <p:extLst>
       <p:ext uri="{BB962C8B-B14F-4D97-AF65-F5344CB8AC3E}">
